--- a/LAB1.pptx
+++ b/LAB1.pptx
@@ -17,52 +17,53 @@
     <p:sldId id="4117" r:id="rId10"/>
     <p:sldId id="4120" r:id="rId11"/>
     <p:sldId id="4121" r:id="rId12"/>
-    <p:sldId id="4122" r:id="rId13"/>
-    <p:sldId id="4123" r:id="rId14"/>
-    <p:sldId id="831" r:id="rId15"/>
+    <p:sldId id="4124" r:id="rId13"/>
+    <p:sldId id="4122" r:id="rId14"/>
+    <p:sldId id="4123" r:id="rId15"/>
+    <p:sldId id="831" r:id="rId16"/>
   </p:sldIdLst>
   <p:sldSz cx="12192000" cy="6858000"/>
   <p:notesSz cx="7010400" cy="9296400"/>
   <p:embeddedFontLst>
     <p:embeddedFont>
       <p:font typeface="FS PF BeauSans Pro Light" panose="02000500000000020004" pitchFamily="2" charset="0"/>
-      <p:regular r:id="rId20"/>
+      <p:regular r:id="rId21"/>
     </p:embeddedFont>
     <p:embeddedFont>
       <p:font typeface="FS PF BeauSans Pro" panose="02000500000000020004" pitchFamily="2" charset="0"/>
-      <p:regular r:id="rId21"/>
+      <p:regular r:id="rId22"/>
     </p:embeddedFont>
     <p:embeddedFont>
       <p:font typeface="Tahoma" panose="020B0604030504040204" pitchFamily="34" charset="0"/>
-      <p:regular r:id="rId22"/>
-      <p:bold r:id="rId23"/>
+      <p:regular r:id="rId23"/>
+      <p:bold r:id="rId24"/>
     </p:embeddedFont>
     <p:embeddedFont>
       <p:font typeface="Century Gothic" panose="020B0502020202020204" pitchFamily="34" charset="0"/>
-      <p:regular r:id="rId24"/>
-      <p:bold r:id="rId25"/>
-      <p:italic r:id="rId26"/>
-      <p:boldItalic r:id="rId27"/>
+      <p:regular r:id="rId25"/>
+      <p:bold r:id="rId26"/>
+      <p:italic r:id="rId27"/>
+      <p:boldItalic r:id="rId28"/>
     </p:embeddedFont>
     <p:embeddedFont>
       <p:font typeface="FS Magistral Bold" panose="020B0804030204080304" pitchFamily="34" charset="0"/>
-      <p:bold r:id="rId28"/>
+      <p:bold r:id="rId29"/>
     </p:embeddedFont>
     <p:embeddedFont>
       <p:font typeface="FS Magistral Extra Bold" panose="020B0904030204080304" pitchFamily="34" charset="0"/>
-      <p:bold r:id="rId29"/>
+      <p:bold r:id="rId30"/>
     </p:embeddedFont>
     <p:embeddedFont>
       <p:font typeface="Calibri Light" panose="020F0302020204030204" charset="0"/>
-      <p:regular r:id="rId30"/>
-      <p:italic r:id="rId31"/>
+      <p:regular r:id="rId31"/>
+      <p:italic r:id="rId32"/>
     </p:embeddedFont>
     <p:embeddedFont>
       <p:font typeface="Calibri" panose="020F0502020204030204" charset="0"/>
-      <p:regular r:id="rId32"/>
-      <p:bold r:id="rId33"/>
-      <p:italic r:id="rId34"/>
-      <p:boldItalic r:id="rId35"/>
+      <p:regular r:id="rId33"/>
+      <p:bold r:id="rId34"/>
+      <p:italic r:id="rId35"/>
+      <p:boldItalic r:id="rId36"/>
     </p:embeddedFont>
   </p:embeddedFontLst>
   <p:defaultTextStyle>
@@ -1152,6 +1153,88 @@
 </file>
 
 <file path=ppt/notesSlides/notesSlide8.xml><?xml version="1.0" encoding="utf-8"?>
+<p:notes xmlns:a="http://schemas.openxmlformats.org/drawingml/2006/main" xmlns:r="http://schemas.openxmlformats.org/officeDocument/2006/relationships" xmlns:p="http://schemas.openxmlformats.org/presentationml/2006/main">
+  <p:cSld>
+    <p:spTree>
+      <p:nvGrpSpPr>
+        <p:cNvPr id="1" name=""/>
+        <p:cNvGrpSpPr/>
+        <p:nvPr/>
+      </p:nvGrpSpPr>
+      <p:grpSpPr>
+        <a:xfrm>
+          <a:off x="0" y="0"/>
+          <a:ext cx="0" cy="0"/>
+          <a:chOff x="0" y="0"/>
+          <a:chExt cx="0" cy="0"/>
+        </a:xfrm>
+      </p:grpSpPr>
+      <p:sp>
+        <p:nvSpPr>
+          <p:cNvPr id="2" name="Slide Image Placeholder 1"/>
+          <p:cNvSpPr>
+            <a:spLocks noGrp="1" noRot="1" noChangeAspect="1"/>
+          </p:cNvSpPr>
+          <p:nvPr>
+            <p:ph type="sldImg"/>
+          </p:nvPr>
+        </p:nvSpPr>
+        <p:spPr/>
+      </p:sp>
+      <p:sp>
+        <p:nvSpPr>
+          <p:cNvPr id="3" name="Notes Placeholder 2"/>
+          <p:cNvSpPr>
+            <a:spLocks noGrp="1"/>
+          </p:cNvSpPr>
+          <p:nvPr>
+            <p:ph type="body" idx="1"/>
+          </p:nvPr>
+        </p:nvSpPr>
+        <p:spPr/>
+        <p:txBody>
+          <a:bodyPr/>
+          <a:lstStyle/>
+          <a:p>
+            <a:r>
+              <a:rPr lang="en-US" dirty="0"/>
+              <a:t>IC: Integrated Circuit</a:t>
+            </a:r>
+            <a:endParaRPr lang="en-US" dirty="0"/>
+          </a:p>
+        </p:txBody>
+      </p:sp>
+      <p:sp>
+        <p:nvSpPr>
+          <p:cNvPr id="4" name="Slide Number Placeholder 3"/>
+          <p:cNvSpPr>
+            <a:spLocks noGrp="1"/>
+          </p:cNvSpPr>
+          <p:nvPr>
+            <p:ph type="sldNum" sz="quarter" idx="10"/>
+          </p:nvPr>
+        </p:nvSpPr>
+        <p:spPr/>
+        <p:txBody>
+          <a:bodyPr/>
+          <a:lstStyle/>
+          <a:p>
+            <a:fld id="{E45FEDFB-5E2A-43D3-A106-A9781A570BBD}" type="slidenum">
+              <a:rPr lang="en-US" smtClean="0"/>
+            </a:fld>
+            <a:endParaRPr lang="en-US"/>
+          </a:p>
+        </p:txBody>
+      </p:sp>
+    </p:spTree>
+  </p:cSld>
+  <p:clrMapOvr>
+    <a:masterClrMapping/>
+  </p:clrMapOvr>
+</p:notes>
+</file>
+
+<file path=ppt/notesSlides/notesSlide9.xml><?xml version="1.0" encoding="utf-8"?>
 <p:notes xmlns:a="http://schemas.openxmlformats.org/drawingml/2006/main" xmlns:r="http://schemas.openxmlformats.org/officeDocument/2006/relationships" xmlns:p="http://schemas.openxmlformats.org/presentationml/2006/main">
   <p:cSld>
     <p:spTree>
@@ -4526,110 +4609,6 @@
       </p:grpSpPr>
       <p:sp>
         <p:nvSpPr>
-          <p:cNvPr id="2" name="Text Placeholder 1"/>
-          <p:cNvSpPr>
-            <a:spLocks noGrp="1"/>
-          </p:cNvSpPr>
-          <p:nvPr>
-            <p:ph type="body" sz="quarter" idx="14"/>
-          </p:nvPr>
-        </p:nvSpPr>
-        <p:spPr>
-          <a:xfrm>
-            <a:off x="2984338" y="2411151"/>
-            <a:ext cx="8818886" cy="914400"/>
-          </a:xfrm>
-        </p:spPr>
-        <p:txBody>
-          <a:bodyPr>
-            <a:normAutofit/>
-          </a:bodyPr>
-          <a:lstStyle/>
-          <a:p>
-            <a:r>
-              <a:rPr lang="en-US" altLang="en-US" sz="2800" dirty="0"/>
-              <a:t>Achieved Outcomes.</a:t>
-            </a:r>
-            <a:endParaRPr lang="en-US" altLang="en-US" sz="2800" dirty="0"/>
-          </a:p>
-        </p:txBody>
-      </p:sp>
-      <p:sp>
-        <p:nvSpPr>
-          <p:cNvPr id="3" name="Slide Number Placeholder 2"/>
-          <p:cNvSpPr>
-            <a:spLocks noGrp="1"/>
-          </p:cNvSpPr>
-          <p:nvPr>
-            <p:ph type="sldNum" sz="quarter" idx="12"/>
-          </p:nvPr>
-        </p:nvSpPr>
-        <p:spPr/>
-        <p:txBody>
-          <a:bodyPr/>
-          <a:lstStyle/>
-          <a:p>
-            <a:fld id="{9BDFC6CA-7EF9-41E7-A554-FEB845A95311}" type="slidenum">
-              <a:rPr lang="en-US" smtClean="0"/>
-            </a:fld>
-            <a:endParaRPr lang="en-US"/>
-          </a:p>
-        </p:txBody>
-      </p:sp>
-      <p:sp>
-        <p:nvSpPr>
-          <p:cNvPr id="4" name="Text Placeholder 3"/>
-          <p:cNvSpPr>
-            <a:spLocks noGrp="1"/>
-          </p:cNvSpPr>
-          <p:nvPr>
-            <p:ph type="body" sz="quarter" idx="15"/>
-          </p:nvPr>
-        </p:nvSpPr>
-        <p:spPr/>
-        <p:txBody>
-          <a:bodyPr/>
-          <a:lstStyle/>
-          <a:p>
-            <a:r>
-              <a:rPr lang="en-US" dirty="0"/>
-              <a:t>0</a:t>
-            </a:r>
-            <a:r>
-              <a:rPr lang="en-AU" altLang="en-US" b="1" dirty="0"/>
-              <a:t>4</a:t>
-            </a:r>
-            <a:endParaRPr lang="en-AU" altLang="en-US" b="1" dirty="0"/>
-          </a:p>
-        </p:txBody>
-      </p:sp>
-    </p:spTree>
-  </p:cSld>
-  <p:clrMapOvr>
-    <a:masterClrMapping/>
-  </p:clrMapOvr>
-</p:sld>
-</file>
-
-<file path=ppt/slides/slide11.xml><?xml version="1.0" encoding="utf-8"?>
-<p:sld xmlns:a="http://schemas.openxmlformats.org/drawingml/2006/main" xmlns:r="http://schemas.openxmlformats.org/officeDocument/2006/relationships" xmlns:p="http://schemas.openxmlformats.org/presentationml/2006/main">
-  <p:cSld>
-    <p:spTree>
-      <p:nvGrpSpPr>
-        <p:cNvPr id="1" name=""/>
-        <p:cNvGrpSpPr/>
-        <p:nvPr/>
-      </p:nvGrpSpPr>
-      <p:grpSpPr>
-        <a:xfrm>
-          <a:off x="0" y="0"/>
-          <a:ext cx="0" cy="0"/>
-          <a:chOff x="0" y="0"/>
-          <a:chExt cx="0" cy="0"/>
-        </a:xfrm>
-      </p:grpSpPr>
-      <p:sp>
-        <p:nvSpPr>
           <p:cNvPr id="10" name="Title 1"/>
           <p:cNvSpPr>
             <a:spLocks noGrp="1"/>
@@ -4644,12 +4623,12 @@
           <a:lstStyle/>
           <a:p>
             <a:r>
-              <a:rPr lang="en-AU" altLang="en-US" sz="2200" dirty="0">
+              <a:rPr lang="en-AU" altLang="en-US" sz="2200" b="1" dirty="0">
                 <a:latin typeface="FS PF BeauSans Pro Light" panose="02000500000000020004" pitchFamily="2" charset="0"/>
                 <a:ea typeface="+mn-ea"/>
                 <a:cs typeface="+mn-cs"/>
               </a:rPr>
-              <a:t>4</a:t>
+              <a:t>3</a:t>
             </a:r>
             <a:r>
               <a:rPr lang="en-US" sz="2200" b="1" dirty="0">
@@ -4660,18 +4639,17 @@
               <a:t>. </a:t>
             </a:r>
             <a:r>
-              <a:rPr lang="en-US" altLang="en-US" sz="2200" dirty="0">
+              <a:rPr lang="en-US" altLang="en-US" sz="2200" b="1" dirty="0">
                 <a:latin typeface="FS PF BeauSans Pro Light" panose="02000500000000020004" pitchFamily="2" charset="0"/>
-                <a:cs typeface="FS PF BeauSans Pro Light" panose="02000500000000020004" pitchFamily="2" charset="0"/>
-                <a:sym typeface="+mn-ea"/>
+                <a:ea typeface="+mn-ea"/>
+                <a:cs typeface="+mn-cs"/>
               </a:rPr>
-              <a:t>Achieved Outcomes</a:t>
-            </a:r>
-            <a:endParaRPr lang="en-AU" altLang="en-US" sz="2200" dirty="0">
+              <a:t>Testing the Register Design</a:t>
+            </a:r>
+            <a:endParaRPr lang="en-US" altLang="en-US" sz="2200" b="1" dirty="0">
               <a:latin typeface="FS PF BeauSans Pro Light" panose="02000500000000020004" pitchFamily="2" charset="0"/>
               <a:ea typeface="+mn-ea"/>
-              <a:cs typeface="FS PF BeauSans Pro Light" panose="02000500000000020004" pitchFamily="2" charset="0"/>
-              <a:sym typeface="+mn-ea"/>
+              <a:cs typeface="+mn-cs"/>
             </a:endParaRPr>
           </a:p>
         </p:txBody>
@@ -4685,7 +4663,7 @@
         <p:spPr>
           <a:xfrm>
             <a:off x="98294" y="36516"/>
-            <a:ext cx="365806" cy="400110"/>
+            <a:ext cx="440690" cy="398780"/>
           </a:xfrm>
           <a:prstGeom prst="rect">
             <a:avLst/>
@@ -4704,9 +4682,18 @@
                 </a:solidFill>
                 <a:latin typeface="FS PF BeauSans Pro SemiBold" panose="02000503000000020004" pitchFamily="2" charset="0"/>
               </a:rPr>
-              <a:t>01</a:t>
-            </a:r>
-            <a:endParaRPr lang="en-US" sz="2000" b="1" dirty="0">
+              <a:t>0</a:t>
+            </a:r>
+            <a:r>
+              <a:rPr lang="en-AU" altLang="en-US" sz="2000" b="1" dirty="0">
+                <a:solidFill>
+                  <a:schemeClr val="bg1"/>
+                </a:solidFill>
+                <a:latin typeface="FS PF BeauSans Pro SemiBold" panose="02000503000000020004" pitchFamily="2" charset="0"/>
+              </a:rPr>
+              <a:t>2</a:t>
+            </a:r>
+            <a:endParaRPr lang="en-AU" altLang="en-US" sz="2000" b="1" dirty="0">
               <a:solidFill>
                 <a:schemeClr val="bg1"/>
               </a:solidFill>
@@ -4902,26 +4889,43 @@
             <a:noAutofit/>
           </a:bodyPr>
           <a:p>
+            <a:pPr marL="285750" indent="-285750">
+              <a:buFont typeface="Wingdings" panose="05000000000000000000" charset="0"/>
+              <a:buChar char="q"/>
+            </a:pPr>
+            <a:r>
+              <a:rPr lang="en-US" altLang="en-US"/>
+              <a:t>Run Command</a:t>
+            </a:r>
+            <a:endParaRPr lang="en-US" altLang="en-US"/>
+          </a:p>
+          <a:p>
             <a:pPr marL="742950" lvl="1" indent="-285750">
               <a:buFont typeface="Wingdings" panose="05000000000000000000" charset="0"/>
-              <a:buChar char="q"/>
+              <a:buChar char="Ø"/>
+            </a:pPr>
+            <a:r>
+              <a:rPr lang="en-US" altLang="en-US"/>
+              <a:t>xrun register.sv register_test.sv -gui -access +rwc ( GUI Mode)</a:t>
+            </a:r>
+            <a:endParaRPr lang="en-US" altLang="en-US"/>
+          </a:p>
+          <a:p>
+            <a:pPr marL="742950" lvl="1" indent="-285750">
+              <a:buFont typeface="Wingdings" panose="05000000000000000000" charset="0"/>
+              <a:buChar char="Ø"/>
             </a:pPr>
             <a:r>
               <a:rPr lang="en-AU" altLang="en-US"/>
-              <a:t>Understand the specification and c</a:t>
-            </a:r>
-            <a:r>
-              <a:rPr lang="en-US" altLang="en-US"/>
-              <a:t>reate a simple register design using SystemVerilog and Verilog-2001 constructs and test it using</a:t>
-            </a:r>
-            <a:r>
-              <a:rPr lang="en-AU" altLang="en-US"/>
-              <a:t> </a:t>
-            </a:r>
-            <a:r>
-              <a:rPr lang="en-US" altLang="en-US"/>
-              <a:t>the supplied testbench.</a:t>
-            </a:r>
+              <a:t>The result as below:</a:t>
+            </a:r>
+            <a:endParaRPr lang="en-AU" altLang="en-US"/>
+          </a:p>
+          <a:p>
+            <a:pPr lvl="1" indent="0">
+              <a:buFont typeface="Wingdings" panose="05000000000000000000" charset="0"/>
+              <a:buNone/>
+            </a:pPr>
             <a:endParaRPr lang="en-US" altLang="en-US"/>
           </a:p>
           <a:p>
@@ -5025,6 +5029,208 @@
               <a:t>                                                                                </a:t>
             </a:r>
             <a:endParaRPr lang="en-AU" altLang="en-US"/>
+          </a:p>
+        </p:txBody>
+      </p:sp>
+      <p:pic>
+        <p:nvPicPr>
+          <p:cNvPr id="6" name="Picture 5"/>
+          <p:cNvPicPr>
+            <a:picLocks noChangeAspect="1"/>
+          </p:cNvPicPr>
+          <p:nvPr/>
+        </p:nvPicPr>
+        <p:blipFill>
+          <a:blip r:embed="rId9"/>
+          <a:stretch>
+            <a:fillRect/>
+          </a:stretch>
+        </p:blipFill>
+        <p:spPr>
+          <a:xfrm>
+            <a:off x="2506980" y="1431925"/>
+            <a:ext cx="9434195" cy="5009515"/>
+          </a:xfrm>
+          <a:prstGeom prst="rect">
+            <a:avLst/>
+          </a:prstGeom>
+        </p:spPr>
+      </p:pic>
+      <p:cxnSp>
+        <p:nvCxnSpPr>
+          <p:cNvPr id="7" name="Straight Arrow Connector 6"/>
+          <p:cNvCxnSpPr/>
+          <p:nvPr/>
+        </p:nvCxnSpPr>
+        <p:spPr>
+          <a:xfrm>
+            <a:off x="905510" y="4504055"/>
+            <a:ext cx="1659255" cy="584200"/>
+          </a:xfrm>
+          <a:prstGeom prst="straightConnector1">
+            <a:avLst/>
+          </a:prstGeom>
+          <a:ln w="31750" cap="rnd">
+            <a:solidFill>
+              <a:schemeClr val="accent1"/>
+            </a:solidFill>
+            <a:round/>
+            <a:tailEnd type="arrow" w="med" len="med"/>
+          </a:ln>
+        </p:spPr>
+        <p:style>
+          <a:lnRef idx="0">
+            <a:srgbClr val="FFFFFF"/>
+          </a:lnRef>
+          <a:fillRef idx="0">
+            <a:srgbClr val="FFFFFF"/>
+          </a:fillRef>
+          <a:effectRef idx="0">
+            <a:srgbClr val="FFFFFF"/>
+          </a:effectRef>
+          <a:fontRef idx="minor">
+            <a:schemeClr val="tx1"/>
+          </a:fontRef>
+        </p:style>
+      </p:cxnSp>
+      <p:cxnSp>
+        <p:nvCxnSpPr>
+          <p:cNvPr id="8" name="Straight Arrow Connector 7"/>
+          <p:cNvCxnSpPr/>
+          <p:nvPr/>
+        </p:nvCxnSpPr>
+        <p:spPr>
+          <a:xfrm flipV="1">
+            <a:off x="8745855" y="3556000"/>
+            <a:ext cx="313055" cy="2311400"/>
+          </a:xfrm>
+          <a:prstGeom prst="straightConnector1">
+            <a:avLst/>
+          </a:prstGeom>
+          <a:ln w="31750" cap="rnd">
+            <a:solidFill>
+              <a:schemeClr val="accent1"/>
+            </a:solidFill>
+            <a:round/>
+            <a:tailEnd type="arrow" w="med" len="med"/>
+          </a:ln>
+        </p:spPr>
+        <p:style>
+          <a:lnRef idx="0">
+            <a:srgbClr val="FFFFFF"/>
+          </a:lnRef>
+          <a:fillRef idx="0">
+            <a:srgbClr val="FFFFFF"/>
+          </a:fillRef>
+          <a:effectRef idx="0">
+            <a:srgbClr val="FFFFFF"/>
+          </a:effectRef>
+          <a:fontRef idx="minor">
+            <a:schemeClr val="tx1"/>
+          </a:fontRef>
+        </p:style>
+      </p:cxnSp>
+    </p:spTree>
+  </p:cSld>
+  <p:clrMapOvr>
+    <a:masterClrMapping/>
+  </p:clrMapOvr>
+</p:sld>
+</file>
+
+<file path=ppt/slides/slide11.xml><?xml version="1.0" encoding="utf-8"?>
+<p:sld xmlns:a="http://schemas.openxmlformats.org/drawingml/2006/main" xmlns:r="http://schemas.openxmlformats.org/officeDocument/2006/relationships" xmlns:p="http://schemas.openxmlformats.org/presentationml/2006/main">
+  <p:cSld>
+    <p:spTree>
+      <p:nvGrpSpPr>
+        <p:cNvPr id="1" name=""/>
+        <p:cNvGrpSpPr/>
+        <p:nvPr/>
+      </p:nvGrpSpPr>
+      <p:grpSpPr>
+        <a:xfrm>
+          <a:off x="0" y="0"/>
+          <a:ext cx="0" cy="0"/>
+          <a:chOff x="0" y="0"/>
+          <a:chExt cx="0" cy="0"/>
+        </a:xfrm>
+      </p:grpSpPr>
+      <p:sp>
+        <p:nvSpPr>
+          <p:cNvPr id="2" name="Text Placeholder 1"/>
+          <p:cNvSpPr>
+            <a:spLocks noGrp="1"/>
+          </p:cNvSpPr>
+          <p:nvPr>
+            <p:ph type="body" sz="quarter" idx="14"/>
+          </p:nvPr>
+        </p:nvSpPr>
+        <p:spPr>
+          <a:xfrm>
+            <a:off x="2984338" y="2411151"/>
+            <a:ext cx="8818886" cy="914400"/>
+          </a:xfrm>
+        </p:spPr>
+        <p:txBody>
+          <a:bodyPr>
+            <a:normAutofit/>
+          </a:bodyPr>
+          <a:lstStyle/>
+          <a:p>
+            <a:r>
+              <a:rPr lang="en-US" altLang="en-US" sz="2800" dirty="0"/>
+              <a:t>Achieved Outcomes.</a:t>
+            </a:r>
+            <a:endParaRPr lang="en-US" altLang="en-US" sz="2800" dirty="0"/>
+          </a:p>
+        </p:txBody>
+      </p:sp>
+      <p:sp>
+        <p:nvSpPr>
+          <p:cNvPr id="3" name="Slide Number Placeholder 2"/>
+          <p:cNvSpPr>
+            <a:spLocks noGrp="1"/>
+          </p:cNvSpPr>
+          <p:nvPr>
+            <p:ph type="sldNum" sz="quarter" idx="12"/>
+          </p:nvPr>
+        </p:nvSpPr>
+        <p:spPr/>
+        <p:txBody>
+          <a:bodyPr/>
+          <a:lstStyle/>
+          <a:p>
+            <a:fld id="{9BDFC6CA-7EF9-41E7-A554-FEB845A95311}" type="slidenum">
+              <a:rPr lang="en-US" smtClean="0"/>
+            </a:fld>
+            <a:endParaRPr lang="en-US"/>
+          </a:p>
+        </p:txBody>
+      </p:sp>
+      <p:sp>
+        <p:nvSpPr>
+          <p:cNvPr id="4" name="Text Placeholder 3"/>
+          <p:cNvSpPr>
+            <a:spLocks noGrp="1"/>
+          </p:cNvSpPr>
+          <p:nvPr>
+            <p:ph type="body" sz="quarter" idx="15"/>
+          </p:nvPr>
+        </p:nvSpPr>
+        <p:spPr/>
+        <p:txBody>
+          <a:bodyPr/>
+          <a:lstStyle/>
+          <a:p>
+            <a:r>
+              <a:rPr lang="en-US" dirty="0"/>
+              <a:t>0</a:t>
+            </a:r>
+            <a:r>
+              <a:rPr lang="en-AU" altLang="en-US" b="1" dirty="0"/>
+              <a:t>4</a:t>
+            </a:r>
+            <a:endParaRPr lang="en-AU" altLang="en-US" b="1" dirty="0"/>
           </a:p>
         </p:txBody>
       </p:sp>
@@ -5037,6 +5243,431 @@
 </file>
 
 <file path=ppt/slides/slide12.xml><?xml version="1.0" encoding="utf-8"?>
+<p:sld xmlns:a="http://schemas.openxmlformats.org/drawingml/2006/main" xmlns:r="http://schemas.openxmlformats.org/officeDocument/2006/relationships" xmlns:p="http://schemas.openxmlformats.org/presentationml/2006/main">
+  <p:cSld>
+    <p:spTree>
+      <p:nvGrpSpPr>
+        <p:cNvPr id="1" name=""/>
+        <p:cNvGrpSpPr/>
+        <p:nvPr/>
+      </p:nvGrpSpPr>
+      <p:grpSpPr>
+        <a:xfrm>
+          <a:off x="0" y="0"/>
+          <a:ext cx="0" cy="0"/>
+          <a:chOff x="0" y="0"/>
+          <a:chExt cx="0" cy="0"/>
+        </a:xfrm>
+      </p:grpSpPr>
+      <p:sp>
+        <p:nvSpPr>
+          <p:cNvPr id="10" name="Title 1"/>
+          <p:cNvSpPr>
+            <a:spLocks noGrp="1"/>
+          </p:cNvSpPr>
+          <p:nvPr>
+            <p:ph type="title"/>
+          </p:nvPr>
+        </p:nvSpPr>
+        <p:spPr/>
+        <p:txBody>
+          <a:bodyPr/>
+          <a:lstStyle/>
+          <a:p>
+            <a:r>
+              <a:rPr lang="en-AU" altLang="en-US" sz="2200" dirty="0">
+                <a:latin typeface="FS PF BeauSans Pro Light" panose="02000500000000020004" pitchFamily="2" charset="0"/>
+                <a:ea typeface="+mn-ea"/>
+                <a:cs typeface="+mn-cs"/>
+              </a:rPr>
+              <a:t>4</a:t>
+            </a:r>
+            <a:r>
+              <a:rPr lang="en-US" sz="2200" b="1" dirty="0">
+                <a:latin typeface="FS PF BeauSans Pro Light" panose="02000500000000020004" pitchFamily="2" charset="0"/>
+                <a:ea typeface="+mn-ea"/>
+                <a:cs typeface="+mn-cs"/>
+              </a:rPr>
+              <a:t>. </a:t>
+            </a:r>
+            <a:r>
+              <a:rPr lang="en-US" altLang="en-US" sz="2200" dirty="0">
+                <a:latin typeface="FS PF BeauSans Pro Light" panose="02000500000000020004" pitchFamily="2" charset="0"/>
+                <a:cs typeface="FS PF BeauSans Pro Light" panose="02000500000000020004" pitchFamily="2" charset="0"/>
+                <a:sym typeface="+mn-ea"/>
+              </a:rPr>
+              <a:t>Achieved Outcomes</a:t>
+            </a:r>
+            <a:endParaRPr lang="en-AU" altLang="en-US" sz="2200" dirty="0">
+              <a:latin typeface="FS PF BeauSans Pro Light" panose="02000500000000020004" pitchFamily="2" charset="0"/>
+              <a:ea typeface="+mn-ea"/>
+              <a:cs typeface="FS PF BeauSans Pro Light" panose="02000500000000020004" pitchFamily="2" charset="0"/>
+              <a:sym typeface="+mn-ea"/>
+            </a:endParaRPr>
+          </a:p>
+        </p:txBody>
+      </p:sp>
+      <p:sp>
+        <p:nvSpPr>
+          <p:cNvPr id="2" name="Rectangle 1"/>
+          <p:cNvSpPr/>
+          <p:nvPr/>
+        </p:nvSpPr>
+        <p:spPr>
+          <a:xfrm>
+            <a:off x="98294" y="36516"/>
+            <a:ext cx="365806" cy="400110"/>
+          </a:xfrm>
+          <a:prstGeom prst="rect">
+            <a:avLst/>
+          </a:prstGeom>
+        </p:spPr>
+        <p:txBody>
+          <a:bodyPr wrap="none">
+            <a:spAutoFit/>
+          </a:bodyPr>
+          <a:lstStyle/>
+          <a:p>
+            <a:r>
+              <a:rPr lang="en-US" sz="2000" b="1" dirty="0">
+                <a:solidFill>
+                  <a:schemeClr val="bg1"/>
+                </a:solidFill>
+                <a:latin typeface="FS PF BeauSans Pro SemiBold" panose="02000503000000020004" pitchFamily="2" charset="0"/>
+              </a:rPr>
+              <a:t>01</a:t>
+            </a:r>
+            <a:endParaRPr lang="en-US" sz="2000" b="1" dirty="0">
+              <a:solidFill>
+                <a:schemeClr val="bg1"/>
+              </a:solidFill>
+              <a:latin typeface="FS PF BeauSans Pro SemiBold" panose="02000503000000020004" pitchFamily="2" charset="0"/>
+            </a:endParaRPr>
+          </a:p>
+        </p:txBody>
+      </p:sp>
+      <p:pic>
+        <p:nvPicPr>
+          <p:cNvPr id="9" name="Picture 8"/>
+          <p:cNvPicPr>
+            <a:picLocks noChangeAspect="1"/>
+          </p:cNvPicPr>
+          <p:nvPr/>
+        </p:nvPicPr>
+        <p:blipFill>
+          <a:blip r:embed="rId1" cstate="print">
+            <a:lum bright="70000" contrast="-70000"/>
+            <a:extLst>
+              <a:ext uri="{BEBA8EAE-BF5A-486C-A8C5-ECC9F3942E4B}">
+                <a14:imgProps xmlns:a14="http://schemas.microsoft.com/office/drawing/2010/main">
+                  <a14:imgLayer r:embed="rId2">
+                    <a14:imgEffect>
+                      <a14:artisticPhotocopy trans="30000" detail="2"/>
+                    </a14:imgEffect>
+                    <a14:imgEffect>
+                      <a14:colorTemperature colorTemp="7200"/>
+                    </a14:imgEffect>
+                    <a14:imgEffect>
+                      <a14:saturation sat="0"/>
+                    </a14:imgEffect>
+                  </a14:imgLayer>
+                </a14:imgProps>
+              </a:ext>
+              <a:ext uri="{28A0092B-C50C-407E-A947-70E740481C1C}">
+                <a14:useLocalDpi xmlns:a14="http://schemas.microsoft.com/office/drawing/2010/main" val="0"/>
+              </a:ext>
+            </a:extLst>
+          </a:blip>
+          <a:stretch>
+            <a:fillRect/>
+          </a:stretch>
+        </p:blipFill>
+        <p:spPr>
+          <a:xfrm>
+            <a:off x="670396" y="1153719"/>
+            <a:ext cx="598277" cy="598277"/>
+          </a:xfrm>
+          <a:prstGeom prst="rect">
+            <a:avLst/>
+          </a:prstGeom>
+        </p:spPr>
+      </p:pic>
+      <p:pic>
+        <p:nvPicPr>
+          <p:cNvPr id="11" name="Picture 10"/>
+          <p:cNvPicPr>
+            <a:picLocks noChangeAspect="1"/>
+          </p:cNvPicPr>
+          <p:nvPr/>
+        </p:nvPicPr>
+        <p:blipFill>
+          <a:blip r:embed="rId3" cstate="print">
+            <a:lum bright="70000" contrast="-70000"/>
+            <a:extLst>
+              <a:ext uri="{BEBA8EAE-BF5A-486C-A8C5-ECC9F3942E4B}">
+                <a14:imgProps xmlns:a14="http://schemas.microsoft.com/office/drawing/2010/main">
+                  <a14:imgLayer r:embed="rId4">
+                    <a14:imgEffect>
+                      <a14:artisticPhotocopy trans="30000" detail="2"/>
+                    </a14:imgEffect>
+                  </a14:imgLayer>
+                </a14:imgProps>
+              </a:ext>
+              <a:ext uri="{28A0092B-C50C-407E-A947-70E740481C1C}">
+                <a14:useLocalDpi xmlns:a14="http://schemas.microsoft.com/office/drawing/2010/main" val="0"/>
+              </a:ext>
+            </a:extLst>
+          </a:blip>
+          <a:stretch>
+            <a:fillRect/>
+          </a:stretch>
+        </p:blipFill>
+        <p:spPr>
+          <a:xfrm>
+            <a:off x="9415010" y="1171744"/>
+            <a:ext cx="660824" cy="660824"/>
+          </a:xfrm>
+          <a:prstGeom prst="rect">
+            <a:avLst/>
+          </a:prstGeom>
+        </p:spPr>
+      </p:pic>
+      <p:pic>
+        <p:nvPicPr>
+          <p:cNvPr id="12" name="Picture 11"/>
+          <p:cNvPicPr>
+            <a:picLocks noChangeAspect="1"/>
+          </p:cNvPicPr>
+          <p:nvPr/>
+        </p:nvPicPr>
+        <p:blipFill>
+          <a:blip r:embed="rId5" cstate="print">
+            <a:lum bright="70000" contrast="-70000"/>
+            <a:extLst>
+              <a:ext uri="{BEBA8EAE-BF5A-486C-A8C5-ECC9F3942E4B}">
+                <a14:imgProps xmlns:a14="http://schemas.microsoft.com/office/drawing/2010/main">
+                  <a14:imgLayer r:embed="rId6">
+                    <a14:imgEffect>
+                      <a14:artisticPhotocopy trans="30000" detail="2"/>
+                    </a14:imgEffect>
+                  </a14:imgLayer>
+                </a14:imgProps>
+              </a:ext>
+              <a:ext uri="{28A0092B-C50C-407E-A947-70E740481C1C}">
+                <a14:useLocalDpi xmlns:a14="http://schemas.microsoft.com/office/drawing/2010/main" val="0"/>
+              </a:ext>
+            </a:extLst>
+          </a:blip>
+          <a:stretch>
+            <a:fillRect/>
+          </a:stretch>
+        </p:blipFill>
+        <p:spPr>
+          <a:xfrm>
+            <a:off x="3549990" y="1182863"/>
+            <a:ext cx="595043" cy="595043"/>
+          </a:xfrm>
+          <a:prstGeom prst="rect">
+            <a:avLst/>
+          </a:prstGeom>
+        </p:spPr>
+      </p:pic>
+      <p:pic>
+        <p:nvPicPr>
+          <p:cNvPr id="13" name="Picture 12"/>
+          <p:cNvPicPr>
+            <a:picLocks noChangeAspect="1"/>
+          </p:cNvPicPr>
+          <p:nvPr/>
+        </p:nvPicPr>
+        <p:blipFill>
+          <a:blip r:embed="rId7" cstate="print">
+            <a:lum bright="70000" contrast="-70000"/>
+            <a:extLst>
+              <a:ext uri="{BEBA8EAE-BF5A-486C-A8C5-ECC9F3942E4B}">
+                <a14:imgProps xmlns:a14="http://schemas.microsoft.com/office/drawing/2010/main">
+                  <a14:imgLayer r:embed="rId8">
+                    <a14:imgEffect>
+                      <a14:artisticPhotocopy trans="30000" detail="2"/>
+                    </a14:imgEffect>
+                  </a14:imgLayer>
+                </a14:imgProps>
+              </a:ext>
+              <a:ext uri="{28A0092B-C50C-407E-A947-70E740481C1C}">
+                <a14:useLocalDpi xmlns:a14="http://schemas.microsoft.com/office/drawing/2010/main" val="0"/>
+              </a:ext>
+            </a:extLst>
+          </a:blip>
+          <a:stretch>
+            <a:fillRect/>
+          </a:stretch>
+        </p:blipFill>
+        <p:spPr>
+          <a:xfrm>
+            <a:off x="6474367" y="1207245"/>
+            <a:ext cx="585421" cy="585421"/>
+          </a:xfrm>
+          <a:prstGeom prst="rect">
+            <a:avLst/>
+          </a:prstGeom>
+        </p:spPr>
+      </p:pic>
+      <p:sp>
+        <p:nvSpPr>
+          <p:cNvPr id="5" name="Text Box 4"/>
+          <p:cNvSpPr txBox="1"/>
+          <p:nvPr/>
+        </p:nvSpPr>
+        <p:spPr>
+          <a:xfrm>
+            <a:off x="352425" y="495300"/>
+            <a:ext cx="11489055" cy="5761355"/>
+          </a:xfrm>
+          <a:prstGeom prst="rect">
+            <a:avLst/>
+          </a:prstGeom>
+          <a:noFill/>
+        </p:spPr>
+        <p:txBody>
+          <a:bodyPr wrap="square" rtlCol="0">
+            <a:noAutofit/>
+          </a:bodyPr>
+          <a:p>
+            <a:pPr marL="742950" lvl="1" indent="-285750">
+              <a:buFont typeface="Wingdings" panose="05000000000000000000" charset="0"/>
+              <a:buChar char="q"/>
+            </a:pPr>
+            <a:r>
+              <a:rPr lang="en-AU" altLang="en-US"/>
+              <a:t>Understand the specification and c</a:t>
+            </a:r>
+            <a:r>
+              <a:rPr lang="en-US" altLang="en-US"/>
+              <a:t>reate a simple register design using SystemVerilog and Verilog-2001 constructs and test it using</a:t>
+            </a:r>
+            <a:r>
+              <a:rPr lang="en-AU" altLang="en-US"/>
+              <a:t> </a:t>
+            </a:r>
+            <a:r>
+              <a:rPr lang="en-US" altLang="en-US"/>
+              <a:t>the supplied testbench.</a:t>
+            </a:r>
+            <a:endParaRPr lang="en-US" altLang="en-US"/>
+          </a:p>
+          <a:p>
+            <a:pPr marL="285750" indent="-285750">
+              <a:buFont typeface="Wingdings" panose="05000000000000000000" charset="0"/>
+              <a:buChar char="q"/>
+            </a:pPr>
+            <a:endParaRPr lang="en-US" altLang="en-US"/>
+          </a:p>
+          <a:p>
+            <a:pPr marL="285750" indent="-285750">
+              <a:buFont typeface="Wingdings" panose="05000000000000000000" charset="0"/>
+              <a:buChar char="q"/>
+            </a:pPr>
+            <a:endParaRPr lang="en-US" altLang="en-US"/>
+          </a:p>
+          <a:p>
+            <a:pPr marL="285750" indent="-285750">
+              <a:buFont typeface="Wingdings" panose="05000000000000000000" charset="0"/>
+              <a:buChar char="q"/>
+            </a:pPr>
+            <a:endParaRPr lang="en-US" altLang="en-US"/>
+          </a:p>
+          <a:p>
+            <a:pPr marL="285750" indent="-285750">
+              <a:buFont typeface="Wingdings" panose="05000000000000000000" charset="0"/>
+              <a:buChar char="q"/>
+            </a:pPr>
+            <a:endParaRPr lang="en-US" altLang="en-US"/>
+          </a:p>
+          <a:p>
+            <a:pPr marL="285750" indent="-285750">
+              <a:buFont typeface="Wingdings" panose="05000000000000000000" charset="0"/>
+              <a:buChar char="q"/>
+            </a:pPr>
+            <a:endParaRPr lang="en-US" altLang="en-US"/>
+          </a:p>
+          <a:p>
+            <a:pPr marL="285750" indent="-285750">
+              <a:buFont typeface="Wingdings" panose="05000000000000000000" charset="0"/>
+              <a:buChar char="q"/>
+            </a:pPr>
+            <a:endParaRPr lang="en-US" altLang="en-US"/>
+          </a:p>
+          <a:p>
+            <a:pPr marL="285750" indent="-285750">
+              <a:buFont typeface="Wingdings" panose="05000000000000000000" charset="0"/>
+              <a:buChar char="q"/>
+            </a:pPr>
+            <a:endParaRPr lang="en-US" altLang="en-US"/>
+          </a:p>
+          <a:p>
+            <a:pPr marL="285750" indent="-285750">
+              <a:buFont typeface="Wingdings" panose="05000000000000000000" charset="0"/>
+              <a:buChar char="q"/>
+            </a:pPr>
+            <a:endParaRPr lang="en-US" altLang="en-US"/>
+          </a:p>
+          <a:p>
+            <a:pPr marL="285750" indent="-285750">
+              <a:buFont typeface="Wingdings" panose="05000000000000000000" charset="0"/>
+              <a:buChar char="q"/>
+            </a:pPr>
+            <a:endParaRPr lang="en-AU" altLang="en-US"/>
+          </a:p>
+          <a:p>
+            <a:pPr marL="285750" indent="-285750">
+              <a:buFont typeface="Wingdings" panose="05000000000000000000" charset="0"/>
+              <a:buChar char="q"/>
+            </a:pPr>
+            <a:endParaRPr lang="en-AU" altLang="en-US"/>
+          </a:p>
+          <a:p>
+            <a:pPr marL="285750" indent="-285750">
+              <a:buFont typeface="Wingdings" panose="05000000000000000000" charset="0"/>
+              <a:buChar char="q"/>
+            </a:pPr>
+            <a:endParaRPr lang="en-AU" altLang="en-US"/>
+          </a:p>
+          <a:p>
+            <a:pPr marL="285750" indent="-285750">
+              <a:buFont typeface="Wingdings" panose="05000000000000000000" charset="0"/>
+              <a:buChar char="q"/>
+            </a:pPr>
+            <a:endParaRPr lang="en-AU" altLang="en-US"/>
+          </a:p>
+          <a:p>
+            <a:pPr marL="3943350" lvl="8" indent="-285750">
+              <a:buFont typeface="Wingdings" panose="05000000000000000000" charset="0"/>
+              <a:buChar char="q"/>
+            </a:pPr>
+            <a:endParaRPr lang="en-AU" altLang="en-US"/>
+          </a:p>
+          <a:p>
+            <a:pPr lvl="8" indent="0">
+              <a:buFont typeface="Wingdings" panose="05000000000000000000" charset="0"/>
+              <a:buNone/>
+            </a:pPr>
+            <a:r>
+              <a:rPr lang="en-AU" altLang="en-US"/>
+              <a:t>                                                                                </a:t>
+            </a:r>
+            <a:endParaRPr lang="en-AU" altLang="en-US"/>
+          </a:p>
+        </p:txBody>
+      </p:sp>
+    </p:spTree>
+  </p:cSld>
+  <p:clrMapOvr>
+    <a:masterClrMapping/>
+  </p:clrMapOvr>
+</p:sld>
+</file>
+
+<file path=ppt/slides/slide13.xml><?xml version="1.0" encoding="utf-8"?>
 <p:sld xmlns:a="http://schemas.openxmlformats.org/drawingml/2006/main" xmlns:r="http://schemas.openxmlformats.org/officeDocument/2006/relationships" xmlns:p="http://schemas.openxmlformats.org/presentationml/2006/main">
   <p:cSld>
     <p:spTree>
@@ -8257,6 +8888,43 @@
           </a:prstGeom>
         </p:spPr>
       </p:pic>
+      <p:cxnSp>
+        <p:nvCxnSpPr>
+          <p:cNvPr id="4" name="Straight Arrow Connector 3"/>
+          <p:cNvCxnSpPr/>
+          <p:nvPr/>
+        </p:nvCxnSpPr>
+        <p:spPr>
+          <a:xfrm>
+            <a:off x="948055" y="5172710"/>
+            <a:ext cx="1379855" cy="135890"/>
+          </a:xfrm>
+          <a:prstGeom prst="straightConnector1">
+            <a:avLst/>
+          </a:prstGeom>
+          <a:ln w="31750" cap="rnd">
+            <a:solidFill>
+              <a:schemeClr val="accent1"/>
+            </a:solidFill>
+            <a:round/>
+            <a:tailEnd type="arrow" w="med" len="med"/>
+          </a:ln>
+        </p:spPr>
+        <p:style>
+          <a:lnRef idx="0">
+            <a:srgbClr val="FFFFFF"/>
+          </a:lnRef>
+          <a:fillRef idx="0">
+            <a:srgbClr val="FFFFFF"/>
+          </a:fillRef>
+          <a:effectRef idx="0">
+            <a:srgbClr val="FFFFFF"/>
+          </a:effectRef>
+          <a:fontRef idx="minor">
+            <a:schemeClr val="tx1"/>
+          </a:fontRef>
+        </p:style>
+      </p:cxnSp>
     </p:spTree>
   </p:cSld>
   <p:clrMapOvr>
